--- a/Content/MUJSIH017_CluelessCodersv2.pptx
+++ b/Content/MUJSIH017_CluelessCodersv2.pptx
@@ -269,7 +269,7 @@
             <a:fld id="{C4D5ADD5-2BBC-4A94-8F86-D9013941F742}" type="datetimeFigureOut">
               <a:rPr lang="en-US"/>
               <a:pPr/>
-              <a:t>08-Sep-24</a:t>
+              <a:t>9/9/24</a:t>
             </a:fld>
             <a:endParaRPr lang="en-US"/>
           </a:p>
@@ -1542,7 +1542,7 @@
           <a:p>
             <a:fld id="{E60792E3-D524-454C-8AFD-A91972900BCB}" type="datetime1">
               <a:rPr lang="en-US" smtClean="0"/>
-              <a:t>08-Sep-24</a:t>
+              <a:t>9/9/24</a:t>
             </a:fld>
             <a:endParaRPr lang="en-US"/>
           </a:p>
@@ -1724,7 +1724,7 @@
           <a:p>
             <a:fld id="{053C3A68-6922-42D3-8905-ECC2D82A3469}" type="datetime1">
               <a:rPr lang="en-US" smtClean="0"/>
-              <a:t>08-Sep-24</a:t>
+              <a:t>9/9/24</a:t>
             </a:fld>
             <a:endParaRPr lang="en-US"/>
           </a:p>
@@ -1916,7 +1916,7 @@
           <a:p>
             <a:fld id="{CB69E9F4-7604-4950-A8B2-8ACDEDB1506E}" type="datetime1">
               <a:rPr lang="en-US" smtClean="0"/>
-              <a:t>08-Sep-24</a:t>
+              <a:t>9/9/24</a:t>
             </a:fld>
             <a:endParaRPr lang="en-US"/>
           </a:p>
@@ -2098,7 +2098,7 @@
           <a:p>
             <a:fld id="{708B7524-32A2-4C20-A58C-BC3BAA1042FC}" type="datetime1">
               <a:rPr lang="en-US" smtClean="0"/>
-              <a:t>08-Sep-24</a:t>
+              <a:t>9/9/24</a:t>
             </a:fld>
             <a:endParaRPr lang="en-US"/>
           </a:p>
@@ -2357,7 +2357,7 @@
           <a:p>
             <a:fld id="{1E994447-D6B2-43BB-A877-57F1A267B999}" type="datetime1">
               <a:rPr lang="en-US" smtClean="0"/>
-              <a:t>08-Sep-24</a:t>
+              <a:t>9/9/24</a:t>
             </a:fld>
             <a:endParaRPr lang="en-US"/>
           </a:p>
@@ -2656,7 +2656,7 @@
           <a:p>
             <a:fld id="{68920E16-BD35-483C-AA6B-346FC7E46DEA}" type="datetime1">
               <a:rPr lang="en-US" smtClean="0"/>
-              <a:t>08-Sep-24</a:t>
+              <a:t>9/9/24</a:t>
             </a:fld>
             <a:endParaRPr lang="en-US"/>
           </a:p>
@@ -3089,7 +3089,7 @@
           <a:p>
             <a:fld id="{2FEAC6F8-5103-4FC0-A69E-5C6AE6469DA8}" type="datetime1">
               <a:rPr lang="en-US" smtClean="0"/>
-              <a:t>08-Sep-24</a:t>
+              <a:t>9/9/24</a:t>
             </a:fld>
             <a:endParaRPr lang="en-US"/>
           </a:p>
@@ -3220,7 +3220,7 @@
           <a:p>
             <a:fld id="{C60C6921-0627-4C8F-83D5-0CF936D2FFDD}" type="datetime1">
               <a:rPr lang="en-US" smtClean="0"/>
-              <a:t>08-Sep-24</a:t>
+              <a:t>9/9/24</a:t>
             </a:fld>
             <a:endParaRPr lang="en-US"/>
           </a:p>
@@ -3329,7 +3329,7 @@
           <a:p>
             <a:fld id="{2FF08AD7-8103-40F8-983C-E2BA6BB9CBE0}" type="datetime1">
               <a:rPr lang="en-US" smtClean="0"/>
-              <a:t>08-Sep-24</a:t>
+              <a:t>9/9/24</a:t>
             </a:fld>
             <a:endParaRPr lang="en-US"/>
           </a:p>
@@ -3618,7 +3618,7 @@
           <a:p>
             <a:fld id="{DF8C06B4-9380-4A4D-AF49-A3596E17DAF5}" type="datetime1">
               <a:rPr lang="en-US" smtClean="0"/>
-              <a:t>08-Sep-24</a:t>
+              <a:t>9/9/24</a:t>
             </a:fld>
             <a:endParaRPr lang="en-US"/>
           </a:p>
@@ -3887,7 +3887,7 @@
           <a:p>
             <a:fld id="{EF7FDEF1-C582-4E22-9E77-D68326471F28}" type="datetime1">
               <a:rPr lang="en-US" smtClean="0"/>
-              <a:t>08-Sep-24</a:t>
+              <a:t>9/9/24</a:t>
             </a:fld>
             <a:endParaRPr lang="en-US"/>
           </a:p>
@@ -4130,7 +4130,7 @@
           <a:p>
             <a:fld id="{780A9602-A9A9-453F-AEF1-37B5837E02CD}" type="datetime1">
               <a:rPr lang="en-US" smtClean="0"/>
-              <a:t>08-Sep-24</a:t>
+              <a:t>9/9/24</a:t>
             </a:fld>
             <a:endParaRPr lang="en-US"/>
           </a:p>
@@ -6540,22 +6540,40 @@
               <a:defRPr/>
             </a:pPr>
             <a:r>
-              <a:rPr kumimoji="0" lang="en-US" sz="1200" b="0" i="0" u="none" strike="noStrike" kern="1200" cap="none" spc="0" normalizeH="0" baseline="0" noProof="0" dirty="0">
-                <a:ln>
-                  <a:noFill/>
-                </a:ln>
+              <a:rPr lang="en-US" sz="1200" b="1" dirty="0">
+                <a:solidFill>
+                  <a:schemeClr val="bg1"/>
+                </a:solidFill>
+                <a:latin typeface="Arial" panose="020B0604020202020204" pitchFamily="34" charset="0"/>
+                <a:ea typeface="Roboto" panose="02000000000000000000" pitchFamily="2" charset="0"/>
+                <a:cs typeface="Arial" panose="020B0604020202020204" pitchFamily="34" charset="0"/>
+              </a:rPr>
+              <a:t>MUJSIH017 - </a:t>
+            </a:r>
+            <a:r>
+              <a:rPr lang="en-US" sz="1200" dirty="0">
                 <a:solidFill>
                   <a:prstClr val="white"/>
                 </a:solidFill>
-                <a:effectLst/>
-                <a:uLnTx/>
-                <a:uFillTx/>
                 <a:latin typeface="TradeGothic"/>
                 <a:ea typeface="+mn-ea"/>
-                <a:cs typeface="+mn-cs"/>
-              </a:rPr>
-              <a:t>@SIH Idea submission- Template</a:t>
-            </a:r>
+              </a:rPr>
+              <a:t>Clueless Coders</a:t>
+            </a:r>
+            <a:endParaRPr kumimoji="0" lang="en-US" sz="1200" b="0" i="0" u="none" strike="noStrike" kern="1200" cap="none" spc="0" normalizeH="0" baseline="0" noProof="0" dirty="0">
+              <a:ln>
+                <a:noFill/>
+              </a:ln>
+              <a:solidFill>
+                <a:prstClr val="white"/>
+              </a:solidFill>
+              <a:effectLst/>
+              <a:uLnTx/>
+              <a:uFillTx/>
+              <a:latin typeface="TradeGothic"/>
+              <a:ea typeface="+mn-ea"/>
+              <a:cs typeface="+mn-cs"/>
+            </a:endParaRPr>
           </a:p>
         </p:txBody>
       </p:sp>
@@ -6911,6 +6929,52 @@
             <a:endParaRPr lang="en-IN" sz="1200" dirty="0">
               <a:latin typeface="Arial" panose="020B0604020202020204" pitchFamily="34" charset="0"/>
               <a:cs typeface="Arial" panose="020B0604020202020204" pitchFamily="34" charset="0"/>
+            </a:endParaRPr>
+          </a:p>
+        </p:txBody>
+      </p:sp>
+      <p:sp>
+        <p:nvSpPr>
+          <p:cNvPr id="5" name="TextBox 4">
+            <a:extLst>
+              <a:ext uri="{FF2B5EF4-FFF2-40B4-BE49-F238E27FC236}">
+                <a16:creationId xmlns:a16="http://schemas.microsoft.com/office/drawing/2014/main" id="{314DA467-0D8A-E4F3-C241-962CDFCA1259}"/>
+              </a:ext>
+            </a:extLst>
+          </p:cNvPr>
+          <p:cNvSpPr txBox="1"/>
+          <p:nvPr/>
+        </p:nvSpPr>
+        <p:spPr>
+          <a:xfrm>
+            <a:off x="11413231" y="6390353"/>
+            <a:ext cx="263214" cy="461665"/>
+          </a:xfrm>
+          <a:prstGeom prst="rect">
+            <a:avLst/>
+          </a:prstGeom>
+          <a:noFill/>
+        </p:spPr>
+        <p:txBody>
+          <a:bodyPr wrap="none" rtlCol="0">
+            <a:spAutoFit/>
+          </a:bodyPr>
+          <a:lstStyle/>
+          <a:p>
+            <a:r>
+              <a:rPr lang="en-US" sz="1200" dirty="0">
+                <a:solidFill>
+                  <a:schemeClr val="bg1"/>
+                </a:solidFill>
+              </a:rPr>
+              <a:t>2</a:t>
+            </a:r>
+          </a:p>
+          <a:p>
+            <a:endParaRPr lang="en-US" sz="1200" dirty="0">
+              <a:solidFill>
+                <a:schemeClr val="bg1"/>
+              </a:solidFill>
             </a:endParaRPr>
           </a:p>
         </p:txBody>
@@ -8082,22 +8146,40 @@
               <a:defRPr/>
             </a:pPr>
             <a:r>
-              <a:rPr kumimoji="0" lang="en-US" sz="1200" b="0" i="0" u="none" strike="noStrike" kern="1200" cap="none" spc="0" normalizeH="0" baseline="0" noProof="0" dirty="0">
-                <a:ln>
-                  <a:noFill/>
-                </a:ln>
+              <a:rPr lang="en-US" sz="1200" b="1" dirty="0">
+                <a:solidFill>
+                  <a:schemeClr val="bg1"/>
+                </a:solidFill>
+                <a:latin typeface="Arial" panose="020B0604020202020204" pitchFamily="34" charset="0"/>
+                <a:ea typeface="Roboto" panose="02000000000000000000" pitchFamily="2" charset="0"/>
+                <a:cs typeface="Arial" panose="020B0604020202020204" pitchFamily="34" charset="0"/>
+              </a:rPr>
+              <a:t>MUJSIH017 - </a:t>
+            </a:r>
+            <a:r>
+              <a:rPr lang="en-US" sz="1200" dirty="0">
                 <a:solidFill>
                   <a:prstClr val="white"/>
                 </a:solidFill>
-                <a:effectLst/>
-                <a:uLnTx/>
-                <a:uFillTx/>
                 <a:latin typeface="TradeGothic"/>
                 <a:ea typeface="+mn-ea"/>
-                <a:cs typeface="+mn-cs"/>
-              </a:rPr>
-              <a:t>@SIH Idea submission- Template</a:t>
-            </a:r>
+              </a:rPr>
+              <a:t>Clueless Coders</a:t>
+            </a:r>
+            <a:endParaRPr kumimoji="0" lang="en-US" sz="1200" b="0" i="0" u="none" strike="noStrike" kern="1200" cap="none" spc="0" normalizeH="0" baseline="0" noProof="0" dirty="0">
+              <a:ln>
+                <a:noFill/>
+              </a:ln>
+              <a:solidFill>
+                <a:prstClr val="white"/>
+              </a:solidFill>
+              <a:effectLst/>
+              <a:uLnTx/>
+              <a:uFillTx/>
+              <a:latin typeface="TradeGothic"/>
+              <a:ea typeface="+mn-ea"/>
+              <a:cs typeface="+mn-cs"/>
+            </a:endParaRPr>
           </a:p>
         </p:txBody>
       </p:sp>
@@ -9004,22 +9086,40 @@
               <a:defRPr/>
             </a:pPr>
             <a:r>
-              <a:rPr kumimoji="0" lang="en-US" sz="1200" b="0" i="0" u="none" strike="noStrike" kern="1200" cap="none" spc="0" normalizeH="0" baseline="0" noProof="0" dirty="0">
-                <a:ln>
-                  <a:noFill/>
-                </a:ln>
+              <a:rPr lang="en-US" sz="1200" b="1" dirty="0">
+                <a:solidFill>
+                  <a:schemeClr val="bg1"/>
+                </a:solidFill>
+                <a:latin typeface="Arial" panose="020B0604020202020204" pitchFamily="34" charset="0"/>
+                <a:ea typeface="Roboto" panose="02000000000000000000" pitchFamily="2" charset="0"/>
+                <a:cs typeface="Arial" panose="020B0604020202020204" pitchFamily="34" charset="0"/>
+              </a:rPr>
+              <a:t>MUJSIH017 - </a:t>
+            </a:r>
+            <a:r>
+              <a:rPr lang="en-US" sz="1200" dirty="0">
                 <a:solidFill>
                   <a:prstClr val="white"/>
                 </a:solidFill>
-                <a:effectLst/>
-                <a:uLnTx/>
-                <a:uFillTx/>
                 <a:latin typeface="TradeGothic"/>
                 <a:ea typeface="+mn-ea"/>
-                <a:cs typeface="+mn-cs"/>
-              </a:rPr>
-              <a:t>@SIH Idea submission- Template</a:t>
-            </a:r>
+              </a:rPr>
+              <a:t>Clueless Coders</a:t>
+            </a:r>
+            <a:endParaRPr kumimoji="0" lang="en-US" sz="1200" b="0" i="0" u="none" strike="noStrike" kern="1200" cap="none" spc="0" normalizeH="0" baseline="0" noProof="0" dirty="0">
+              <a:ln>
+                <a:noFill/>
+              </a:ln>
+              <a:solidFill>
+                <a:prstClr val="white"/>
+              </a:solidFill>
+              <a:effectLst/>
+              <a:uLnTx/>
+              <a:uFillTx/>
+              <a:latin typeface="TradeGothic"/>
+              <a:ea typeface="+mn-ea"/>
+              <a:cs typeface="+mn-cs"/>
+            </a:endParaRPr>
           </a:p>
         </p:txBody>
       </p:sp>
@@ -9952,22 +10052,40 @@
               <a:defRPr/>
             </a:pPr>
             <a:r>
-              <a:rPr kumimoji="0" lang="en-US" sz="1200" b="0" i="0" u="none" strike="noStrike" kern="1200" cap="none" spc="0" normalizeH="0" baseline="0" noProof="0" dirty="0">
-                <a:ln>
-                  <a:noFill/>
-                </a:ln>
+              <a:rPr lang="en-US" sz="1200" b="1" dirty="0">
+                <a:solidFill>
+                  <a:schemeClr val="bg1"/>
+                </a:solidFill>
+                <a:latin typeface="Arial" panose="020B0604020202020204" pitchFamily="34" charset="0"/>
+                <a:ea typeface="Roboto" panose="02000000000000000000" pitchFamily="2" charset="0"/>
+                <a:cs typeface="Arial" panose="020B0604020202020204" pitchFamily="34" charset="0"/>
+              </a:rPr>
+              <a:t>MUJSIH017 - </a:t>
+            </a:r>
+            <a:r>
+              <a:rPr lang="en-US" sz="1200" dirty="0">
                 <a:solidFill>
                   <a:prstClr val="white"/>
                 </a:solidFill>
-                <a:effectLst/>
-                <a:uLnTx/>
-                <a:uFillTx/>
                 <a:latin typeface="TradeGothic"/>
                 <a:ea typeface="+mn-ea"/>
-                <a:cs typeface="+mn-cs"/>
-              </a:rPr>
-              <a:t>@SIH Idea submission- Template</a:t>
-            </a:r>
+              </a:rPr>
+              <a:t>Clueless Coders</a:t>
+            </a:r>
+            <a:endParaRPr kumimoji="0" lang="en-US" sz="1200" b="0" i="0" u="none" strike="noStrike" kern="1200" cap="none" spc="0" normalizeH="0" baseline="0" noProof="0" dirty="0">
+              <a:ln>
+                <a:noFill/>
+              </a:ln>
+              <a:solidFill>
+                <a:prstClr val="white"/>
+              </a:solidFill>
+              <a:effectLst/>
+              <a:uLnTx/>
+              <a:uFillTx/>
+              <a:latin typeface="TradeGothic"/>
+              <a:ea typeface="+mn-ea"/>
+              <a:cs typeface="+mn-cs"/>
+            </a:endParaRPr>
           </a:p>
         </p:txBody>
       </p:sp>
